--- a/analysis/plots/fig5.pptx
+++ b/analysis/plots/fig5.pptx
@@ -243,7 +243,7 @@
           <a:p>
             <a:fld id="{BC6E9828-D5E3-F94A-8FD0-502DCA9B4680}" type="datetimeFigureOut">
               <a:rPr lang="en-US" smtClean="0"/>
-              <a:t>7/30/21</a:t>
+              <a:t>8/13/21</a:t>
             </a:fld>
             <a:endParaRPr lang="en-US"/>
           </a:p>
@@ -413,7 +413,7 @@
           <a:p>
             <a:fld id="{BC6E9828-D5E3-F94A-8FD0-502DCA9B4680}" type="datetimeFigureOut">
               <a:rPr lang="en-US" smtClean="0"/>
-              <a:t>7/30/21</a:t>
+              <a:t>8/13/21</a:t>
             </a:fld>
             <a:endParaRPr lang="en-US"/>
           </a:p>
@@ -593,7 +593,7 @@
           <a:p>
             <a:fld id="{BC6E9828-D5E3-F94A-8FD0-502DCA9B4680}" type="datetimeFigureOut">
               <a:rPr lang="en-US" smtClean="0"/>
-              <a:t>7/30/21</a:t>
+              <a:t>8/13/21</a:t>
             </a:fld>
             <a:endParaRPr lang="en-US"/>
           </a:p>
@@ -763,7 +763,7 @@
           <a:p>
             <a:fld id="{BC6E9828-D5E3-F94A-8FD0-502DCA9B4680}" type="datetimeFigureOut">
               <a:rPr lang="en-US" smtClean="0"/>
-              <a:t>7/30/21</a:t>
+              <a:t>8/13/21</a:t>
             </a:fld>
             <a:endParaRPr lang="en-US"/>
           </a:p>
@@ -1009,7 +1009,7 @@
           <a:p>
             <a:fld id="{BC6E9828-D5E3-F94A-8FD0-502DCA9B4680}" type="datetimeFigureOut">
               <a:rPr lang="en-US" smtClean="0"/>
-              <a:t>7/30/21</a:t>
+              <a:t>8/13/21</a:t>
             </a:fld>
             <a:endParaRPr lang="en-US"/>
           </a:p>
@@ -1241,7 +1241,7 @@
           <a:p>
             <a:fld id="{BC6E9828-D5E3-F94A-8FD0-502DCA9B4680}" type="datetimeFigureOut">
               <a:rPr lang="en-US" smtClean="0"/>
-              <a:t>7/30/21</a:t>
+              <a:t>8/13/21</a:t>
             </a:fld>
             <a:endParaRPr lang="en-US"/>
           </a:p>
@@ -1608,7 +1608,7 @@
           <a:p>
             <a:fld id="{BC6E9828-D5E3-F94A-8FD0-502DCA9B4680}" type="datetimeFigureOut">
               <a:rPr lang="en-US" smtClean="0"/>
-              <a:t>7/30/21</a:t>
+              <a:t>8/13/21</a:t>
             </a:fld>
             <a:endParaRPr lang="en-US"/>
           </a:p>
@@ -1726,7 +1726,7 @@
           <a:p>
             <a:fld id="{BC6E9828-D5E3-F94A-8FD0-502DCA9B4680}" type="datetimeFigureOut">
               <a:rPr lang="en-US" smtClean="0"/>
-              <a:t>7/30/21</a:t>
+              <a:t>8/13/21</a:t>
             </a:fld>
             <a:endParaRPr lang="en-US"/>
           </a:p>
@@ -1821,7 +1821,7 @@
           <a:p>
             <a:fld id="{BC6E9828-D5E3-F94A-8FD0-502DCA9B4680}" type="datetimeFigureOut">
               <a:rPr lang="en-US" smtClean="0"/>
-              <a:t>7/30/21</a:t>
+              <a:t>8/13/21</a:t>
             </a:fld>
             <a:endParaRPr lang="en-US"/>
           </a:p>
@@ -2098,7 +2098,7 @@
           <a:p>
             <a:fld id="{BC6E9828-D5E3-F94A-8FD0-502DCA9B4680}" type="datetimeFigureOut">
               <a:rPr lang="en-US" smtClean="0"/>
-              <a:t>7/30/21</a:t>
+              <a:t>8/13/21</a:t>
             </a:fld>
             <a:endParaRPr lang="en-US"/>
           </a:p>
@@ -2355,7 +2355,7 @@
           <a:p>
             <a:fld id="{BC6E9828-D5E3-F94A-8FD0-502DCA9B4680}" type="datetimeFigureOut">
               <a:rPr lang="en-US" smtClean="0"/>
-              <a:t>7/30/21</a:t>
+              <a:t>8/13/21</a:t>
             </a:fld>
             <a:endParaRPr lang="en-US"/>
           </a:p>
@@ -2568,7 +2568,7 @@
           <a:p>
             <a:fld id="{BC6E9828-D5E3-F94A-8FD0-502DCA9B4680}" type="datetimeFigureOut">
               <a:rPr lang="en-US" smtClean="0"/>
-              <a:t>7/30/21</a:t>
+              <a:t>8/13/21</a:t>
             </a:fld>
             <a:endParaRPr lang="en-US"/>
           </a:p>
@@ -2995,7 +2995,7 @@
         </p:blipFill>
         <p:spPr>
           <a:xfrm>
-            <a:off x="0" y="0"/>
+            <a:off x="5080000" y="0"/>
             <a:ext cx="6350000" cy="6858000"/>
           </a:xfrm>
           <a:prstGeom prst="rect">
@@ -3025,8 +3025,118 @@
         </p:blipFill>
         <p:spPr>
           <a:xfrm>
-            <a:off x="6172200" y="0"/>
+            <a:off x="0" y="0"/>
             <a:ext cx="5257800" cy="6502400"/>
+          </a:xfrm>
+          <a:prstGeom prst="rect">
+            <a:avLst/>
+          </a:prstGeom>
+        </p:spPr>
+      </p:pic>
+      <p:pic>
+        <p:nvPicPr>
+          <p:cNvPr id="4" name="Picture 3">
+            <a:extLst>
+              <a:ext uri="{FF2B5EF4-FFF2-40B4-BE49-F238E27FC236}">
+                <a16:creationId xmlns:a16="http://schemas.microsoft.com/office/drawing/2014/main" id="{6011E211-796E-0041-9DFB-FF94C315E89C}"/>
+              </a:ext>
+            </a:extLst>
+          </p:cNvPr>
+          <p:cNvPicPr>
+            <a:picLocks noChangeAspect="1"/>
+          </p:cNvPicPr>
+          <p:nvPr/>
+        </p:nvPicPr>
+        <p:blipFill rotWithShape="1">
+          <a:blip r:embed="rId2"/>
+          <a:srcRect l="4200" r="88800" b="93519"/>
+          <a:stretch/>
+        </p:blipFill>
+        <p:spPr>
+          <a:xfrm>
+            <a:off x="0" y="0"/>
+            <a:ext cx="444500" cy="444500"/>
+          </a:xfrm>
+          <a:prstGeom prst="rect">
+            <a:avLst/>
+          </a:prstGeom>
+        </p:spPr>
+      </p:pic>
+      <p:sp>
+        <p:nvSpPr>
+          <p:cNvPr id="2" name="Rectangle 1">
+            <a:extLst>
+              <a:ext uri="{FF2B5EF4-FFF2-40B4-BE49-F238E27FC236}">
+                <a16:creationId xmlns:a16="http://schemas.microsoft.com/office/drawing/2014/main" id="{871F1444-0058-114D-8B5D-917C40A7EE93}"/>
+              </a:ext>
+            </a:extLst>
+          </p:cNvPr>
+          <p:cNvSpPr/>
+          <p:nvPr/>
+        </p:nvSpPr>
+        <p:spPr>
+          <a:xfrm>
+            <a:off x="5359400" y="0"/>
+            <a:ext cx="393700" cy="444500"/>
+          </a:xfrm>
+          <a:prstGeom prst="rect">
+            <a:avLst/>
+          </a:prstGeom>
+          <a:solidFill>
+            <a:schemeClr val="bg1"/>
+          </a:solidFill>
+          <a:ln>
+            <a:noFill/>
+          </a:ln>
+        </p:spPr>
+        <p:style>
+          <a:lnRef idx="2">
+            <a:schemeClr val="accent1">
+              <a:shade val="50000"/>
+            </a:schemeClr>
+          </a:lnRef>
+          <a:fillRef idx="1">
+            <a:schemeClr val="accent1"/>
+          </a:fillRef>
+          <a:effectRef idx="0">
+            <a:schemeClr val="accent1"/>
+          </a:effectRef>
+          <a:fontRef idx="minor">
+            <a:schemeClr val="lt1"/>
+          </a:fontRef>
+        </p:style>
+        <p:txBody>
+          <a:bodyPr rtlCol="0" anchor="ctr"/>
+          <a:lstStyle/>
+          <a:p>
+            <a:pPr algn="ctr"/>
+            <a:endParaRPr lang="en-US"/>
+          </a:p>
+        </p:txBody>
+      </p:sp>
+      <p:pic>
+        <p:nvPicPr>
+          <p:cNvPr id="5" name="Picture 4">
+            <a:extLst>
+              <a:ext uri="{FF2B5EF4-FFF2-40B4-BE49-F238E27FC236}">
+                <a16:creationId xmlns:a16="http://schemas.microsoft.com/office/drawing/2014/main" id="{970E6DB6-3D75-E641-A7F8-2C5FF125093C}"/>
+              </a:ext>
+            </a:extLst>
+          </p:cNvPr>
+          <p:cNvPicPr>
+            <a:picLocks noChangeAspect="1"/>
+          </p:cNvPicPr>
+          <p:nvPr/>
+        </p:nvPicPr>
+        <p:blipFill rotWithShape="1">
+          <a:blip r:embed="rId3"/>
+          <a:srcRect r="93236" b="93555"/>
+          <a:stretch/>
+        </p:blipFill>
+        <p:spPr>
+          <a:xfrm>
+            <a:off x="5346700" y="0"/>
+            <a:ext cx="355600" cy="419100"/>
           </a:xfrm>
           <a:prstGeom prst="rect">
             <a:avLst/>

--- a/analysis/plots/fig5.pptx
+++ b/analysis/plots/fig5.pptx
@@ -2,12 +2,12 @@
 <file path=ppt/presentation.xml><?xml version="1.0" encoding="utf-8"?>
 <p:presentation xmlns:a="http://schemas.openxmlformats.org/drawingml/2006/main" xmlns:r="http://schemas.openxmlformats.org/officeDocument/2006/relationships" xmlns:p="http://schemas.openxmlformats.org/presentationml/2006/main" saveSubsetFonts="1" autoCompressPictures="0">
   <p:sldMasterIdLst>
-    <p:sldMasterId id="2147483684" r:id="rId1"/>
+    <p:sldMasterId id="2147483720" r:id="rId1"/>
   </p:sldMasterIdLst>
   <p:sldIdLst>
     <p:sldId id="256" r:id="rId2"/>
   </p:sldIdLst>
-  <p:sldSz cx="11430000" cy="6858000"/>
+  <p:sldSz cx="11201400" cy="6400800"/>
   <p:notesSz cx="6858000" cy="9144000"/>
   <p:defaultTextStyle>
     <a:defPPr>
@@ -141,15 +141,15 @@
         </p:nvSpPr>
         <p:spPr>
           <a:xfrm>
-            <a:off x="1428750" y="1122363"/>
-            <a:ext cx="8572500" cy="2387600"/>
+            <a:off x="1400175" y="1047539"/>
+            <a:ext cx="8401050" cy="2228427"/>
           </a:xfrm>
         </p:spPr>
         <p:txBody>
           <a:bodyPr anchor="b"/>
           <a:lstStyle>
             <a:lvl1pPr algn="ctr">
-              <a:defRPr sz="5625"/>
+              <a:defRPr sz="5513"/>
             </a:lvl1pPr>
           </a:lstStyle>
           <a:p>
@@ -173,8 +173,8 @@
         </p:nvSpPr>
         <p:spPr>
           <a:xfrm>
-            <a:off x="1428750" y="3602038"/>
-            <a:ext cx="8572500" cy="1655762"/>
+            <a:off x="1400175" y="3361902"/>
+            <a:ext cx="8401050" cy="1545378"/>
           </a:xfrm>
         </p:spPr>
         <p:txBody>
@@ -182,39 +182,39 @@
           <a:lstStyle>
             <a:lvl1pPr marL="0" indent="0" algn="ctr">
               <a:buNone/>
-              <a:defRPr sz="2250"/>
+              <a:defRPr sz="2205"/>
             </a:lvl1pPr>
-            <a:lvl2pPr marL="428625" indent="0" algn="ctr">
-              <a:buNone/>
-              <a:defRPr sz="1875"/>
+            <a:lvl2pPr marL="420075" indent="0" algn="ctr">
+              <a:buNone/>
+              <a:defRPr sz="1838"/>
             </a:lvl2pPr>
-            <a:lvl3pPr marL="857250" indent="0" algn="ctr">
-              <a:buNone/>
-              <a:defRPr sz="1688"/>
+            <a:lvl3pPr marL="840151" indent="0" algn="ctr">
+              <a:buNone/>
+              <a:defRPr sz="1654"/>
             </a:lvl3pPr>
-            <a:lvl4pPr marL="1285875" indent="0" algn="ctr">
-              <a:buNone/>
-              <a:defRPr sz="1500"/>
+            <a:lvl4pPr marL="1260226" indent="0" algn="ctr">
+              <a:buNone/>
+              <a:defRPr sz="1470"/>
             </a:lvl4pPr>
-            <a:lvl5pPr marL="1714500" indent="0" algn="ctr">
-              <a:buNone/>
-              <a:defRPr sz="1500"/>
+            <a:lvl5pPr marL="1680301" indent="0" algn="ctr">
+              <a:buNone/>
+              <a:defRPr sz="1470"/>
             </a:lvl5pPr>
-            <a:lvl6pPr marL="2143125" indent="0" algn="ctr">
-              <a:buNone/>
-              <a:defRPr sz="1500"/>
+            <a:lvl6pPr marL="2100377" indent="0" algn="ctr">
+              <a:buNone/>
+              <a:defRPr sz="1470"/>
             </a:lvl6pPr>
-            <a:lvl7pPr marL="2571750" indent="0" algn="ctr">
-              <a:buNone/>
-              <a:defRPr sz="1500"/>
+            <a:lvl7pPr marL="2520452" indent="0" algn="ctr">
+              <a:buNone/>
+              <a:defRPr sz="1470"/>
             </a:lvl7pPr>
-            <a:lvl8pPr marL="3000375" indent="0" algn="ctr">
-              <a:buNone/>
-              <a:defRPr sz="1500"/>
+            <a:lvl8pPr marL="2940528" indent="0" algn="ctr">
+              <a:buNone/>
+              <a:defRPr sz="1470"/>
             </a:lvl8pPr>
-            <a:lvl9pPr marL="3429000" indent="0" algn="ctr">
-              <a:buNone/>
-              <a:defRPr sz="1500"/>
+            <a:lvl9pPr marL="3360603" indent="0" algn="ctr">
+              <a:buNone/>
+              <a:defRPr sz="1470"/>
             </a:lvl9pPr>
           </a:lstStyle>
           <a:p>
@@ -243,7 +243,7 @@
           <a:p>
             <a:fld id="{BC6E9828-D5E3-F94A-8FD0-502DCA9B4680}" type="datetimeFigureOut">
               <a:rPr lang="en-US" smtClean="0"/>
-              <a:t>8/13/21</a:t>
+              <a:t>8/20/21</a:t>
             </a:fld>
             <a:endParaRPr lang="en-US"/>
           </a:p>
@@ -294,7 +294,7 @@
     </p:spTree>
     <p:extLst>
       <p:ext uri="{BB962C8B-B14F-4D97-AF65-F5344CB8AC3E}">
-        <p14:creationId xmlns:p14="http://schemas.microsoft.com/office/powerpoint/2010/main" val="4055431596"/>
+        <p14:creationId xmlns:p14="http://schemas.microsoft.com/office/powerpoint/2010/main" val="3103453047"/>
       </p:ext>
     </p:extLst>
   </p:cSld>
@@ -413,7 +413,7 @@
           <a:p>
             <a:fld id="{BC6E9828-D5E3-F94A-8FD0-502DCA9B4680}" type="datetimeFigureOut">
               <a:rPr lang="en-US" smtClean="0"/>
-              <a:t>8/13/21</a:t>
+              <a:t>8/20/21</a:t>
             </a:fld>
             <a:endParaRPr lang="en-US"/>
           </a:p>
@@ -464,7 +464,7 @@
     </p:spTree>
     <p:extLst>
       <p:ext uri="{BB962C8B-B14F-4D97-AF65-F5344CB8AC3E}">
-        <p14:creationId xmlns:p14="http://schemas.microsoft.com/office/powerpoint/2010/main" val="3592912635"/>
+        <p14:creationId xmlns:p14="http://schemas.microsoft.com/office/powerpoint/2010/main" val="1357417697"/>
       </p:ext>
     </p:extLst>
   </p:cSld>
@@ -503,8 +503,8 @@
         </p:nvSpPr>
         <p:spPr>
           <a:xfrm>
-            <a:off x="8179594" y="365125"/>
-            <a:ext cx="2464594" cy="5811838"/>
+            <a:off x="8016002" y="340783"/>
+            <a:ext cx="2415302" cy="5424382"/>
           </a:xfrm>
         </p:spPr>
         <p:txBody>
@@ -531,8 +531,8 @@
         </p:nvSpPr>
         <p:spPr>
           <a:xfrm>
-            <a:off x="785813" y="365125"/>
-            <a:ext cx="7250906" cy="5811838"/>
+            <a:off x="770096" y="340783"/>
+            <a:ext cx="7105888" cy="5424382"/>
           </a:xfrm>
         </p:spPr>
         <p:txBody>
@@ -593,7 +593,7 @@
           <a:p>
             <a:fld id="{BC6E9828-D5E3-F94A-8FD0-502DCA9B4680}" type="datetimeFigureOut">
               <a:rPr lang="en-US" smtClean="0"/>
-              <a:t>8/13/21</a:t>
+              <a:t>8/20/21</a:t>
             </a:fld>
             <a:endParaRPr lang="en-US"/>
           </a:p>
@@ -644,7 +644,7 @@
     </p:spTree>
     <p:extLst>
       <p:ext uri="{BB962C8B-B14F-4D97-AF65-F5344CB8AC3E}">
-        <p14:creationId xmlns:p14="http://schemas.microsoft.com/office/powerpoint/2010/main" val="2959972388"/>
+        <p14:creationId xmlns:p14="http://schemas.microsoft.com/office/powerpoint/2010/main" val="1223317417"/>
       </p:ext>
     </p:extLst>
   </p:cSld>
@@ -763,7 +763,7 @@
           <a:p>
             <a:fld id="{BC6E9828-D5E3-F94A-8FD0-502DCA9B4680}" type="datetimeFigureOut">
               <a:rPr lang="en-US" smtClean="0"/>
-              <a:t>8/13/21</a:t>
+              <a:t>8/20/21</a:t>
             </a:fld>
             <a:endParaRPr lang="en-US"/>
           </a:p>
@@ -814,7 +814,7 @@
     </p:spTree>
     <p:extLst>
       <p:ext uri="{BB962C8B-B14F-4D97-AF65-F5344CB8AC3E}">
-        <p14:creationId xmlns:p14="http://schemas.microsoft.com/office/powerpoint/2010/main" val="3186892231"/>
+        <p14:creationId xmlns:p14="http://schemas.microsoft.com/office/powerpoint/2010/main" val="4005008219"/>
       </p:ext>
     </p:extLst>
   </p:cSld>
@@ -853,15 +853,15 @@
         </p:nvSpPr>
         <p:spPr>
           <a:xfrm>
-            <a:off x="779859" y="1709739"/>
-            <a:ext cx="9858375" cy="2852737"/>
+            <a:off x="764262" y="1595756"/>
+            <a:ext cx="9661208" cy="2662555"/>
           </a:xfrm>
         </p:spPr>
         <p:txBody>
           <a:bodyPr anchor="b"/>
           <a:lstStyle>
             <a:lvl1pPr>
-              <a:defRPr sz="5625"/>
+              <a:defRPr sz="5513"/>
             </a:lvl1pPr>
           </a:lstStyle>
           <a:p>
@@ -885,8 +885,8 @@
         </p:nvSpPr>
         <p:spPr>
           <a:xfrm>
-            <a:off x="779859" y="4589464"/>
-            <a:ext cx="9858375" cy="1500187"/>
+            <a:off x="764262" y="4283499"/>
+            <a:ext cx="9661208" cy="1400175"/>
           </a:xfrm>
         </p:spPr>
         <p:txBody>
@@ -894,7 +894,7 @@
           <a:lstStyle>
             <a:lvl1pPr marL="0" indent="0">
               <a:buNone/>
-              <a:defRPr sz="2250">
+              <a:defRPr sz="2205">
                 <a:solidFill>
                   <a:schemeClr val="tx1">
                     <a:tint val="75000"/>
@@ -902,9 +902,9 @@
                 </a:solidFill>
               </a:defRPr>
             </a:lvl1pPr>
-            <a:lvl2pPr marL="428625" indent="0">
-              <a:buNone/>
-              <a:defRPr sz="1875">
+            <a:lvl2pPr marL="420075" indent="0">
+              <a:buNone/>
+              <a:defRPr sz="1838">
                 <a:solidFill>
                   <a:schemeClr val="tx1">
                     <a:tint val="75000"/>
@@ -912,9 +912,9 @@
                 </a:solidFill>
               </a:defRPr>
             </a:lvl2pPr>
-            <a:lvl3pPr marL="857250" indent="0">
-              <a:buNone/>
-              <a:defRPr sz="1688">
+            <a:lvl3pPr marL="840151" indent="0">
+              <a:buNone/>
+              <a:defRPr sz="1654">
                 <a:solidFill>
                   <a:schemeClr val="tx1">
                     <a:tint val="75000"/>
@@ -922,9 +922,9 @@
                 </a:solidFill>
               </a:defRPr>
             </a:lvl3pPr>
-            <a:lvl4pPr marL="1285875" indent="0">
-              <a:buNone/>
-              <a:defRPr sz="1500">
+            <a:lvl4pPr marL="1260226" indent="0">
+              <a:buNone/>
+              <a:defRPr sz="1470">
                 <a:solidFill>
                   <a:schemeClr val="tx1">
                     <a:tint val="75000"/>
@@ -932,9 +932,9 @@
                 </a:solidFill>
               </a:defRPr>
             </a:lvl4pPr>
-            <a:lvl5pPr marL="1714500" indent="0">
-              <a:buNone/>
-              <a:defRPr sz="1500">
+            <a:lvl5pPr marL="1680301" indent="0">
+              <a:buNone/>
+              <a:defRPr sz="1470">
                 <a:solidFill>
                   <a:schemeClr val="tx1">
                     <a:tint val="75000"/>
@@ -942,9 +942,9 @@
                 </a:solidFill>
               </a:defRPr>
             </a:lvl5pPr>
-            <a:lvl6pPr marL="2143125" indent="0">
-              <a:buNone/>
-              <a:defRPr sz="1500">
+            <a:lvl6pPr marL="2100377" indent="0">
+              <a:buNone/>
+              <a:defRPr sz="1470">
                 <a:solidFill>
                   <a:schemeClr val="tx1">
                     <a:tint val="75000"/>
@@ -952,9 +952,9 @@
                 </a:solidFill>
               </a:defRPr>
             </a:lvl6pPr>
-            <a:lvl7pPr marL="2571750" indent="0">
-              <a:buNone/>
-              <a:defRPr sz="1500">
+            <a:lvl7pPr marL="2520452" indent="0">
+              <a:buNone/>
+              <a:defRPr sz="1470">
                 <a:solidFill>
                   <a:schemeClr val="tx1">
                     <a:tint val="75000"/>
@@ -962,9 +962,9 @@
                 </a:solidFill>
               </a:defRPr>
             </a:lvl7pPr>
-            <a:lvl8pPr marL="3000375" indent="0">
-              <a:buNone/>
-              <a:defRPr sz="1500">
+            <a:lvl8pPr marL="2940528" indent="0">
+              <a:buNone/>
+              <a:defRPr sz="1470">
                 <a:solidFill>
                   <a:schemeClr val="tx1">
                     <a:tint val="75000"/>
@@ -972,9 +972,9 @@
                 </a:solidFill>
               </a:defRPr>
             </a:lvl8pPr>
-            <a:lvl9pPr marL="3429000" indent="0">
-              <a:buNone/>
-              <a:defRPr sz="1500">
+            <a:lvl9pPr marL="3360603" indent="0">
+              <a:buNone/>
+              <a:defRPr sz="1470">
                 <a:solidFill>
                   <a:schemeClr val="tx1">
                     <a:tint val="75000"/>
@@ -1009,7 +1009,7 @@
           <a:p>
             <a:fld id="{BC6E9828-D5E3-F94A-8FD0-502DCA9B4680}" type="datetimeFigureOut">
               <a:rPr lang="en-US" smtClean="0"/>
-              <a:t>8/13/21</a:t>
+              <a:t>8/20/21</a:t>
             </a:fld>
             <a:endParaRPr lang="en-US"/>
           </a:p>
@@ -1060,7 +1060,7 @@
     </p:spTree>
     <p:extLst>
       <p:ext uri="{BB962C8B-B14F-4D97-AF65-F5344CB8AC3E}">
-        <p14:creationId xmlns:p14="http://schemas.microsoft.com/office/powerpoint/2010/main" val="1169570290"/>
+        <p14:creationId xmlns:p14="http://schemas.microsoft.com/office/powerpoint/2010/main" val="555212190"/>
       </p:ext>
     </p:extLst>
   </p:cSld>
@@ -1122,8 +1122,8 @@
         </p:nvSpPr>
         <p:spPr>
           <a:xfrm>
-            <a:off x="785813" y="1825625"/>
-            <a:ext cx="4857750" cy="4351338"/>
+            <a:off x="770096" y="1703917"/>
+            <a:ext cx="4760595" cy="4061249"/>
           </a:xfrm>
         </p:spPr>
         <p:txBody>
@@ -1179,8 +1179,8 @@
         </p:nvSpPr>
         <p:spPr>
           <a:xfrm>
-            <a:off x="5786438" y="1825625"/>
-            <a:ext cx="4857750" cy="4351338"/>
+            <a:off x="5670709" y="1703917"/>
+            <a:ext cx="4760595" cy="4061249"/>
           </a:xfrm>
         </p:spPr>
         <p:txBody>
@@ -1241,7 +1241,7 @@
           <a:p>
             <a:fld id="{BC6E9828-D5E3-F94A-8FD0-502DCA9B4680}" type="datetimeFigureOut">
               <a:rPr lang="en-US" smtClean="0"/>
-              <a:t>8/13/21</a:t>
+              <a:t>8/20/21</a:t>
             </a:fld>
             <a:endParaRPr lang="en-US"/>
           </a:p>
@@ -1292,7 +1292,7 @@
     </p:spTree>
     <p:extLst>
       <p:ext uri="{BB962C8B-B14F-4D97-AF65-F5344CB8AC3E}">
-        <p14:creationId xmlns:p14="http://schemas.microsoft.com/office/powerpoint/2010/main" val="2721032730"/>
+        <p14:creationId xmlns:p14="http://schemas.microsoft.com/office/powerpoint/2010/main" val="3976033996"/>
       </p:ext>
     </p:extLst>
   </p:cSld>
@@ -1331,8 +1331,8 @@
         </p:nvSpPr>
         <p:spPr>
           <a:xfrm>
-            <a:off x="787301" y="365126"/>
-            <a:ext cx="9858375" cy="1325563"/>
+            <a:off x="771555" y="340784"/>
+            <a:ext cx="9661208" cy="1237192"/>
           </a:xfrm>
         </p:spPr>
         <p:txBody>
@@ -1359,8 +1359,8 @@
         </p:nvSpPr>
         <p:spPr>
           <a:xfrm>
-            <a:off x="787302" y="1681163"/>
-            <a:ext cx="4835425" cy="823912"/>
+            <a:off x="771556" y="1569085"/>
+            <a:ext cx="4738717" cy="768985"/>
           </a:xfrm>
         </p:spPr>
         <p:txBody>
@@ -1368,39 +1368,39 @@
           <a:lstStyle>
             <a:lvl1pPr marL="0" indent="0">
               <a:buNone/>
-              <a:defRPr sz="2250" b="1"/>
+              <a:defRPr sz="2205" b="1"/>
             </a:lvl1pPr>
-            <a:lvl2pPr marL="428625" indent="0">
-              <a:buNone/>
-              <a:defRPr sz="1875" b="1"/>
+            <a:lvl2pPr marL="420075" indent="0">
+              <a:buNone/>
+              <a:defRPr sz="1838" b="1"/>
             </a:lvl2pPr>
-            <a:lvl3pPr marL="857250" indent="0">
-              <a:buNone/>
-              <a:defRPr sz="1688" b="1"/>
+            <a:lvl3pPr marL="840151" indent="0">
+              <a:buNone/>
+              <a:defRPr sz="1654" b="1"/>
             </a:lvl3pPr>
-            <a:lvl4pPr marL="1285875" indent="0">
-              <a:buNone/>
-              <a:defRPr sz="1500" b="1"/>
+            <a:lvl4pPr marL="1260226" indent="0">
+              <a:buNone/>
+              <a:defRPr sz="1470" b="1"/>
             </a:lvl4pPr>
-            <a:lvl5pPr marL="1714500" indent="0">
-              <a:buNone/>
-              <a:defRPr sz="1500" b="1"/>
+            <a:lvl5pPr marL="1680301" indent="0">
+              <a:buNone/>
+              <a:defRPr sz="1470" b="1"/>
             </a:lvl5pPr>
-            <a:lvl6pPr marL="2143125" indent="0">
-              <a:buNone/>
-              <a:defRPr sz="1500" b="1"/>
+            <a:lvl6pPr marL="2100377" indent="0">
+              <a:buNone/>
+              <a:defRPr sz="1470" b="1"/>
             </a:lvl6pPr>
-            <a:lvl7pPr marL="2571750" indent="0">
-              <a:buNone/>
-              <a:defRPr sz="1500" b="1"/>
+            <a:lvl7pPr marL="2520452" indent="0">
+              <a:buNone/>
+              <a:defRPr sz="1470" b="1"/>
             </a:lvl7pPr>
-            <a:lvl8pPr marL="3000375" indent="0">
-              <a:buNone/>
-              <a:defRPr sz="1500" b="1"/>
+            <a:lvl8pPr marL="2940528" indent="0">
+              <a:buNone/>
+              <a:defRPr sz="1470" b="1"/>
             </a:lvl8pPr>
-            <a:lvl9pPr marL="3429000" indent="0">
-              <a:buNone/>
-              <a:defRPr sz="1500" b="1"/>
+            <a:lvl9pPr marL="3360603" indent="0">
+              <a:buNone/>
+              <a:defRPr sz="1470" b="1"/>
             </a:lvl9pPr>
           </a:lstStyle>
           <a:p>
@@ -1424,8 +1424,8 @@
         </p:nvSpPr>
         <p:spPr>
           <a:xfrm>
-            <a:off x="787302" y="2505075"/>
-            <a:ext cx="4835425" cy="3684588"/>
+            <a:off x="771556" y="2338070"/>
+            <a:ext cx="4738717" cy="3438949"/>
           </a:xfrm>
         </p:spPr>
         <p:txBody>
@@ -1481,8 +1481,8 @@
         </p:nvSpPr>
         <p:spPr>
           <a:xfrm>
-            <a:off x="5786437" y="1681163"/>
-            <a:ext cx="4859239" cy="823912"/>
+            <a:off x="5670709" y="1569085"/>
+            <a:ext cx="4762054" cy="768985"/>
           </a:xfrm>
         </p:spPr>
         <p:txBody>
@@ -1490,39 +1490,39 @@
           <a:lstStyle>
             <a:lvl1pPr marL="0" indent="0">
               <a:buNone/>
-              <a:defRPr sz="2250" b="1"/>
+              <a:defRPr sz="2205" b="1"/>
             </a:lvl1pPr>
-            <a:lvl2pPr marL="428625" indent="0">
-              <a:buNone/>
-              <a:defRPr sz="1875" b="1"/>
+            <a:lvl2pPr marL="420075" indent="0">
+              <a:buNone/>
+              <a:defRPr sz="1838" b="1"/>
             </a:lvl2pPr>
-            <a:lvl3pPr marL="857250" indent="0">
-              <a:buNone/>
-              <a:defRPr sz="1688" b="1"/>
+            <a:lvl3pPr marL="840151" indent="0">
+              <a:buNone/>
+              <a:defRPr sz="1654" b="1"/>
             </a:lvl3pPr>
-            <a:lvl4pPr marL="1285875" indent="0">
-              <a:buNone/>
-              <a:defRPr sz="1500" b="1"/>
+            <a:lvl4pPr marL="1260226" indent="0">
+              <a:buNone/>
+              <a:defRPr sz="1470" b="1"/>
             </a:lvl4pPr>
-            <a:lvl5pPr marL="1714500" indent="0">
-              <a:buNone/>
-              <a:defRPr sz="1500" b="1"/>
+            <a:lvl5pPr marL="1680301" indent="0">
+              <a:buNone/>
+              <a:defRPr sz="1470" b="1"/>
             </a:lvl5pPr>
-            <a:lvl6pPr marL="2143125" indent="0">
-              <a:buNone/>
-              <a:defRPr sz="1500" b="1"/>
+            <a:lvl6pPr marL="2100377" indent="0">
+              <a:buNone/>
+              <a:defRPr sz="1470" b="1"/>
             </a:lvl6pPr>
-            <a:lvl7pPr marL="2571750" indent="0">
-              <a:buNone/>
-              <a:defRPr sz="1500" b="1"/>
+            <a:lvl7pPr marL="2520452" indent="0">
+              <a:buNone/>
+              <a:defRPr sz="1470" b="1"/>
             </a:lvl7pPr>
-            <a:lvl8pPr marL="3000375" indent="0">
-              <a:buNone/>
-              <a:defRPr sz="1500" b="1"/>
+            <a:lvl8pPr marL="2940528" indent="0">
+              <a:buNone/>
+              <a:defRPr sz="1470" b="1"/>
             </a:lvl8pPr>
-            <a:lvl9pPr marL="3429000" indent="0">
-              <a:buNone/>
-              <a:defRPr sz="1500" b="1"/>
+            <a:lvl9pPr marL="3360603" indent="0">
+              <a:buNone/>
+              <a:defRPr sz="1470" b="1"/>
             </a:lvl9pPr>
           </a:lstStyle>
           <a:p>
@@ -1546,8 +1546,8 @@
         </p:nvSpPr>
         <p:spPr>
           <a:xfrm>
-            <a:off x="5786437" y="2505075"/>
-            <a:ext cx="4859239" cy="3684588"/>
+            <a:off x="5670709" y="2338070"/>
+            <a:ext cx="4762054" cy="3438949"/>
           </a:xfrm>
         </p:spPr>
         <p:txBody>
@@ -1608,7 +1608,7 @@
           <a:p>
             <a:fld id="{BC6E9828-D5E3-F94A-8FD0-502DCA9B4680}" type="datetimeFigureOut">
               <a:rPr lang="en-US" smtClean="0"/>
-              <a:t>8/13/21</a:t>
+              <a:t>8/20/21</a:t>
             </a:fld>
             <a:endParaRPr lang="en-US"/>
           </a:p>
@@ -1659,7 +1659,7 @@
     </p:spTree>
     <p:extLst>
       <p:ext uri="{BB962C8B-B14F-4D97-AF65-F5344CB8AC3E}">
-        <p14:creationId xmlns:p14="http://schemas.microsoft.com/office/powerpoint/2010/main" val="1504582392"/>
+        <p14:creationId xmlns:p14="http://schemas.microsoft.com/office/powerpoint/2010/main" val="3460188744"/>
       </p:ext>
     </p:extLst>
   </p:cSld>
@@ -1726,7 +1726,7 @@
           <a:p>
             <a:fld id="{BC6E9828-D5E3-F94A-8FD0-502DCA9B4680}" type="datetimeFigureOut">
               <a:rPr lang="en-US" smtClean="0"/>
-              <a:t>8/13/21</a:t>
+              <a:t>8/20/21</a:t>
             </a:fld>
             <a:endParaRPr lang="en-US"/>
           </a:p>
@@ -1777,7 +1777,7 @@
     </p:spTree>
     <p:extLst>
       <p:ext uri="{BB962C8B-B14F-4D97-AF65-F5344CB8AC3E}">
-        <p14:creationId xmlns:p14="http://schemas.microsoft.com/office/powerpoint/2010/main" val="2399129656"/>
+        <p14:creationId xmlns:p14="http://schemas.microsoft.com/office/powerpoint/2010/main" val="152526577"/>
       </p:ext>
     </p:extLst>
   </p:cSld>
@@ -1821,7 +1821,7 @@
           <a:p>
             <a:fld id="{BC6E9828-D5E3-F94A-8FD0-502DCA9B4680}" type="datetimeFigureOut">
               <a:rPr lang="en-US" smtClean="0"/>
-              <a:t>8/13/21</a:t>
+              <a:t>8/20/21</a:t>
             </a:fld>
             <a:endParaRPr lang="en-US"/>
           </a:p>
@@ -1872,7 +1872,7 @@
     </p:spTree>
     <p:extLst>
       <p:ext uri="{BB962C8B-B14F-4D97-AF65-F5344CB8AC3E}">
-        <p14:creationId xmlns:p14="http://schemas.microsoft.com/office/powerpoint/2010/main" val="1851631404"/>
+        <p14:creationId xmlns:p14="http://schemas.microsoft.com/office/powerpoint/2010/main" val="2128453254"/>
       </p:ext>
     </p:extLst>
   </p:cSld>
@@ -1911,15 +1911,15 @@
         </p:nvSpPr>
         <p:spPr>
           <a:xfrm>
-            <a:off x="787302" y="457200"/>
-            <a:ext cx="3686472" cy="1600200"/>
+            <a:off x="771556" y="426720"/>
+            <a:ext cx="3612743" cy="1493520"/>
           </a:xfrm>
         </p:spPr>
         <p:txBody>
           <a:bodyPr anchor="b"/>
           <a:lstStyle>
             <a:lvl1pPr>
-              <a:defRPr sz="3000"/>
+              <a:defRPr sz="2940"/>
             </a:lvl1pPr>
           </a:lstStyle>
           <a:p>
@@ -1943,39 +1943,39 @@
         </p:nvSpPr>
         <p:spPr>
           <a:xfrm>
-            <a:off x="4859238" y="987426"/>
-            <a:ext cx="5786438" cy="4873625"/>
+            <a:off x="4762054" y="921597"/>
+            <a:ext cx="5670709" cy="4548717"/>
           </a:xfrm>
         </p:spPr>
         <p:txBody>
           <a:bodyPr/>
           <a:lstStyle>
             <a:lvl1pPr>
-              <a:defRPr sz="3000"/>
+              <a:defRPr sz="2940"/>
             </a:lvl1pPr>
             <a:lvl2pPr>
-              <a:defRPr sz="2625"/>
+              <a:defRPr sz="2573"/>
             </a:lvl2pPr>
             <a:lvl3pPr>
-              <a:defRPr sz="2250"/>
+              <a:defRPr sz="2205"/>
             </a:lvl3pPr>
             <a:lvl4pPr>
-              <a:defRPr sz="1875"/>
+              <a:defRPr sz="1838"/>
             </a:lvl4pPr>
             <a:lvl5pPr>
-              <a:defRPr sz="1875"/>
+              <a:defRPr sz="1838"/>
             </a:lvl5pPr>
             <a:lvl6pPr>
-              <a:defRPr sz="1875"/>
+              <a:defRPr sz="1838"/>
             </a:lvl6pPr>
             <a:lvl7pPr>
-              <a:defRPr sz="1875"/>
+              <a:defRPr sz="1838"/>
             </a:lvl7pPr>
             <a:lvl8pPr>
-              <a:defRPr sz="1875"/>
+              <a:defRPr sz="1838"/>
             </a:lvl8pPr>
             <a:lvl9pPr>
-              <a:defRPr sz="1875"/>
+              <a:defRPr sz="1838"/>
             </a:lvl9pPr>
           </a:lstStyle>
           <a:p>
@@ -2028,8 +2028,8 @@
         </p:nvSpPr>
         <p:spPr>
           <a:xfrm>
-            <a:off x="787302" y="2057400"/>
-            <a:ext cx="3686472" cy="3811588"/>
+            <a:off x="771556" y="1920240"/>
+            <a:ext cx="3612743" cy="3557482"/>
           </a:xfrm>
         </p:spPr>
         <p:txBody>
@@ -2037,39 +2037,39 @@
           <a:lstStyle>
             <a:lvl1pPr marL="0" indent="0">
               <a:buNone/>
-              <a:defRPr sz="1500"/>
+              <a:defRPr sz="1470"/>
             </a:lvl1pPr>
-            <a:lvl2pPr marL="428625" indent="0">
-              <a:buNone/>
-              <a:defRPr sz="1313"/>
+            <a:lvl2pPr marL="420075" indent="0">
+              <a:buNone/>
+              <a:defRPr sz="1286"/>
             </a:lvl2pPr>
-            <a:lvl3pPr marL="857250" indent="0">
-              <a:buNone/>
-              <a:defRPr sz="1125"/>
+            <a:lvl3pPr marL="840151" indent="0">
+              <a:buNone/>
+              <a:defRPr sz="1103"/>
             </a:lvl3pPr>
-            <a:lvl4pPr marL="1285875" indent="0">
-              <a:buNone/>
-              <a:defRPr sz="938"/>
+            <a:lvl4pPr marL="1260226" indent="0">
+              <a:buNone/>
+              <a:defRPr sz="919"/>
             </a:lvl4pPr>
-            <a:lvl5pPr marL="1714500" indent="0">
-              <a:buNone/>
-              <a:defRPr sz="938"/>
+            <a:lvl5pPr marL="1680301" indent="0">
+              <a:buNone/>
+              <a:defRPr sz="919"/>
             </a:lvl5pPr>
-            <a:lvl6pPr marL="2143125" indent="0">
-              <a:buNone/>
-              <a:defRPr sz="938"/>
+            <a:lvl6pPr marL="2100377" indent="0">
+              <a:buNone/>
+              <a:defRPr sz="919"/>
             </a:lvl6pPr>
-            <a:lvl7pPr marL="2571750" indent="0">
-              <a:buNone/>
-              <a:defRPr sz="938"/>
+            <a:lvl7pPr marL="2520452" indent="0">
+              <a:buNone/>
+              <a:defRPr sz="919"/>
             </a:lvl7pPr>
-            <a:lvl8pPr marL="3000375" indent="0">
-              <a:buNone/>
-              <a:defRPr sz="938"/>
+            <a:lvl8pPr marL="2940528" indent="0">
+              <a:buNone/>
+              <a:defRPr sz="919"/>
             </a:lvl8pPr>
-            <a:lvl9pPr marL="3429000" indent="0">
-              <a:buNone/>
-              <a:defRPr sz="938"/>
+            <a:lvl9pPr marL="3360603" indent="0">
+              <a:buNone/>
+              <a:defRPr sz="919"/>
             </a:lvl9pPr>
           </a:lstStyle>
           <a:p>
@@ -2098,7 +2098,7 @@
           <a:p>
             <a:fld id="{BC6E9828-D5E3-F94A-8FD0-502DCA9B4680}" type="datetimeFigureOut">
               <a:rPr lang="en-US" smtClean="0"/>
-              <a:t>8/13/21</a:t>
+              <a:t>8/20/21</a:t>
             </a:fld>
             <a:endParaRPr lang="en-US"/>
           </a:p>
@@ -2149,7 +2149,7 @@
     </p:spTree>
     <p:extLst>
       <p:ext uri="{BB962C8B-B14F-4D97-AF65-F5344CB8AC3E}">
-        <p14:creationId xmlns:p14="http://schemas.microsoft.com/office/powerpoint/2010/main" val="2574863299"/>
+        <p14:creationId xmlns:p14="http://schemas.microsoft.com/office/powerpoint/2010/main" val="2565889154"/>
       </p:ext>
     </p:extLst>
   </p:cSld>
@@ -2188,15 +2188,15 @@
         </p:nvSpPr>
         <p:spPr>
           <a:xfrm>
-            <a:off x="787302" y="457200"/>
-            <a:ext cx="3686472" cy="1600200"/>
+            <a:off x="771556" y="426720"/>
+            <a:ext cx="3612743" cy="1493520"/>
           </a:xfrm>
         </p:spPr>
         <p:txBody>
           <a:bodyPr anchor="b"/>
           <a:lstStyle>
             <a:lvl1pPr>
-              <a:defRPr sz="3000"/>
+              <a:defRPr sz="2940"/>
             </a:lvl1pPr>
           </a:lstStyle>
           <a:p>
@@ -2220,8 +2220,8 @@
         </p:nvSpPr>
         <p:spPr>
           <a:xfrm>
-            <a:off x="4859238" y="987426"/>
-            <a:ext cx="5786438" cy="4873625"/>
+            <a:off x="4762054" y="921597"/>
+            <a:ext cx="5670709" cy="4548717"/>
           </a:xfrm>
         </p:spPr>
         <p:txBody>
@@ -2229,39 +2229,39 @@
           <a:lstStyle>
             <a:lvl1pPr marL="0" indent="0">
               <a:buNone/>
-              <a:defRPr sz="3000"/>
+              <a:defRPr sz="2940"/>
             </a:lvl1pPr>
-            <a:lvl2pPr marL="428625" indent="0">
-              <a:buNone/>
-              <a:defRPr sz="2625"/>
+            <a:lvl2pPr marL="420075" indent="0">
+              <a:buNone/>
+              <a:defRPr sz="2573"/>
             </a:lvl2pPr>
-            <a:lvl3pPr marL="857250" indent="0">
-              <a:buNone/>
-              <a:defRPr sz="2250"/>
+            <a:lvl3pPr marL="840151" indent="0">
+              <a:buNone/>
+              <a:defRPr sz="2205"/>
             </a:lvl3pPr>
-            <a:lvl4pPr marL="1285875" indent="0">
-              <a:buNone/>
-              <a:defRPr sz="1875"/>
+            <a:lvl4pPr marL="1260226" indent="0">
+              <a:buNone/>
+              <a:defRPr sz="1838"/>
             </a:lvl4pPr>
-            <a:lvl5pPr marL="1714500" indent="0">
-              <a:buNone/>
-              <a:defRPr sz="1875"/>
+            <a:lvl5pPr marL="1680301" indent="0">
+              <a:buNone/>
+              <a:defRPr sz="1838"/>
             </a:lvl5pPr>
-            <a:lvl6pPr marL="2143125" indent="0">
-              <a:buNone/>
-              <a:defRPr sz="1875"/>
+            <a:lvl6pPr marL="2100377" indent="0">
+              <a:buNone/>
+              <a:defRPr sz="1838"/>
             </a:lvl6pPr>
-            <a:lvl7pPr marL="2571750" indent="0">
-              <a:buNone/>
-              <a:defRPr sz="1875"/>
+            <a:lvl7pPr marL="2520452" indent="0">
+              <a:buNone/>
+              <a:defRPr sz="1838"/>
             </a:lvl7pPr>
-            <a:lvl8pPr marL="3000375" indent="0">
-              <a:buNone/>
-              <a:defRPr sz="1875"/>
+            <a:lvl8pPr marL="2940528" indent="0">
+              <a:buNone/>
+              <a:defRPr sz="1838"/>
             </a:lvl8pPr>
-            <a:lvl9pPr marL="3429000" indent="0">
-              <a:buNone/>
-              <a:defRPr sz="1875"/>
+            <a:lvl9pPr marL="3360603" indent="0">
+              <a:buNone/>
+              <a:defRPr sz="1838"/>
             </a:lvl9pPr>
           </a:lstStyle>
           <a:p>
@@ -2285,8 +2285,8 @@
         </p:nvSpPr>
         <p:spPr>
           <a:xfrm>
-            <a:off x="787302" y="2057400"/>
-            <a:ext cx="3686472" cy="3811588"/>
+            <a:off x="771556" y="1920240"/>
+            <a:ext cx="3612743" cy="3557482"/>
           </a:xfrm>
         </p:spPr>
         <p:txBody>
@@ -2294,39 +2294,39 @@
           <a:lstStyle>
             <a:lvl1pPr marL="0" indent="0">
               <a:buNone/>
-              <a:defRPr sz="1500"/>
+              <a:defRPr sz="1470"/>
             </a:lvl1pPr>
-            <a:lvl2pPr marL="428625" indent="0">
-              <a:buNone/>
-              <a:defRPr sz="1313"/>
+            <a:lvl2pPr marL="420075" indent="0">
+              <a:buNone/>
+              <a:defRPr sz="1286"/>
             </a:lvl2pPr>
-            <a:lvl3pPr marL="857250" indent="0">
-              <a:buNone/>
-              <a:defRPr sz="1125"/>
+            <a:lvl3pPr marL="840151" indent="0">
+              <a:buNone/>
+              <a:defRPr sz="1103"/>
             </a:lvl3pPr>
-            <a:lvl4pPr marL="1285875" indent="0">
-              <a:buNone/>
-              <a:defRPr sz="938"/>
+            <a:lvl4pPr marL="1260226" indent="0">
+              <a:buNone/>
+              <a:defRPr sz="919"/>
             </a:lvl4pPr>
-            <a:lvl5pPr marL="1714500" indent="0">
-              <a:buNone/>
-              <a:defRPr sz="938"/>
+            <a:lvl5pPr marL="1680301" indent="0">
+              <a:buNone/>
+              <a:defRPr sz="919"/>
             </a:lvl5pPr>
-            <a:lvl6pPr marL="2143125" indent="0">
-              <a:buNone/>
-              <a:defRPr sz="938"/>
+            <a:lvl6pPr marL="2100377" indent="0">
+              <a:buNone/>
+              <a:defRPr sz="919"/>
             </a:lvl6pPr>
-            <a:lvl7pPr marL="2571750" indent="0">
-              <a:buNone/>
-              <a:defRPr sz="938"/>
+            <a:lvl7pPr marL="2520452" indent="0">
+              <a:buNone/>
+              <a:defRPr sz="919"/>
             </a:lvl7pPr>
-            <a:lvl8pPr marL="3000375" indent="0">
-              <a:buNone/>
-              <a:defRPr sz="938"/>
+            <a:lvl8pPr marL="2940528" indent="0">
+              <a:buNone/>
+              <a:defRPr sz="919"/>
             </a:lvl8pPr>
-            <a:lvl9pPr marL="3429000" indent="0">
-              <a:buNone/>
-              <a:defRPr sz="938"/>
+            <a:lvl9pPr marL="3360603" indent="0">
+              <a:buNone/>
+              <a:defRPr sz="919"/>
             </a:lvl9pPr>
           </a:lstStyle>
           <a:p>
@@ -2355,7 +2355,7 @@
           <a:p>
             <a:fld id="{BC6E9828-D5E3-F94A-8FD0-502DCA9B4680}" type="datetimeFigureOut">
               <a:rPr lang="en-US" smtClean="0"/>
-              <a:t>8/13/21</a:t>
+              <a:t>8/20/21</a:t>
             </a:fld>
             <a:endParaRPr lang="en-US"/>
           </a:p>
@@ -2406,7 +2406,7 @@
     </p:spTree>
     <p:extLst>
       <p:ext uri="{BB962C8B-B14F-4D97-AF65-F5344CB8AC3E}">
-        <p14:creationId xmlns:p14="http://schemas.microsoft.com/office/powerpoint/2010/main" val="1881962414"/>
+        <p14:creationId xmlns:p14="http://schemas.microsoft.com/office/powerpoint/2010/main" val="1607218991"/>
       </p:ext>
     </p:extLst>
   </p:cSld>
@@ -2450,8 +2450,8 @@
         </p:nvSpPr>
         <p:spPr>
           <a:xfrm>
-            <a:off x="785813" y="365126"/>
-            <a:ext cx="9858375" cy="1325563"/>
+            <a:off x="770096" y="340784"/>
+            <a:ext cx="9661208" cy="1237192"/>
           </a:xfrm>
           <a:prstGeom prst="rect">
             <a:avLst/>
@@ -2483,8 +2483,8 @@
         </p:nvSpPr>
         <p:spPr>
           <a:xfrm>
-            <a:off x="785813" y="1825625"/>
-            <a:ext cx="9858375" cy="4351338"/>
+            <a:off x="770096" y="1703917"/>
+            <a:ext cx="9661208" cy="4061249"/>
           </a:xfrm>
           <a:prstGeom prst="rect">
             <a:avLst/>
@@ -2545,8 +2545,8 @@
         </p:nvSpPr>
         <p:spPr>
           <a:xfrm>
-            <a:off x="785813" y="6356351"/>
-            <a:ext cx="2571750" cy="365125"/>
+            <a:off x="770096" y="5932594"/>
+            <a:ext cx="2520315" cy="340783"/>
           </a:xfrm>
           <a:prstGeom prst="rect">
             <a:avLst/>
@@ -2556,7 +2556,7 @@
           <a:bodyPr vert="horz" lIns="91440" tIns="45720" rIns="91440" bIns="45720" rtlCol="0" anchor="ctr"/>
           <a:lstStyle>
             <a:lvl1pPr algn="l">
-              <a:defRPr sz="1125">
+              <a:defRPr sz="1103">
                 <a:solidFill>
                   <a:schemeClr val="tx1">
                     <a:tint val="75000"/>
@@ -2568,7 +2568,7 @@
           <a:p>
             <a:fld id="{BC6E9828-D5E3-F94A-8FD0-502DCA9B4680}" type="datetimeFigureOut">
               <a:rPr lang="en-US" smtClean="0"/>
-              <a:t>8/13/21</a:t>
+              <a:t>8/20/21</a:t>
             </a:fld>
             <a:endParaRPr lang="en-US"/>
           </a:p>
@@ -2586,8 +2586,8 @@
         </p:nvSpPr>
         <p:spPr>
           <a:xfrm>
-            <a:off x="3786188" y="6356351"/>
-            <a:ext cx="3857625" cy="365125"/>
+            <a:off x="3710464" y="5932594"/>
+            <a:ext cx="3780473" cy="340783"/>
           </a:xfrm>
           <a:prstGeom prst="rect">
             <a:avLst/>
@@ -2597,7 +2597,7 @@
           <a:bodyPr vert="horz" lIns="91440" tIns="45720" rIns="91440" bIns="45720" rtlCol="0" anchor="ctr"/>
           <a:lstStyle>
             <a:lvl1pPr algn="ctr">
-              <a:defRPr sz="1125">
+              <a:defRPr sz="1103">
                 <a:solidFill>
                   <a:schemeClr val="tx1">
                     <a:tint val="75000"/>
@@ -2623,8 +2623,8 @@
         </p:nvSpPr>
         <p:spPr>
           <a:xfrm>
-            <a:off x="8072438" y="6356351"/>
-            <a:ext cx="2571750" cy="365125"/>
+            <a:off x="7910989" y="5932594"/>
+            <a:ext cx="2520315" cy="340783"/>
           </a:xfrm>
           <a:prstGeom prst="rect">
             <a:avLst/>
@@ -2634,7 +2634,7 @@
           <a:bodyPr vert="horz" lIns="91440" tIns="45720" rIns="91440" bIns="45720" rtlCol="0" anchor="ctr"/>
           <a:lstStyle>
             <a:lvl1pPr algn="r">
-              <a:defRPr sz="1125">
+              <a:defRPr sz="1103">
                 <a:solidFill>
                   <a:schemeClr val="tx1">
                     <a:tint val="75000"/>
@@ -2655,27 +2655,27 @@
     </p:spTree>
     <p:extLst>
       <p:ext uri="{BB962C8B-B14F-4D97-AF65-F5344CB8AC3E}">
-        <p14:creationId xmlns:p14="http://schemas.microsoft.com/office/powerpoint/2010/main" val="1906315600"/>
+        <p14:creationId xmlns:p14="http://schemas.microsoft.com/office/powerpoint/2010/main" val="536304430"/>
       </p:ext>
     </p:extLst>
   </p:cSld>
   <p:clrMap bg1="lt1" tx1="dk1" bg2="lt2" tx2="dk2" accent1="accent1" accent2="accent2" accent3="accent3" accent4="accent4" accent5="accent5" accent6="accent6" hlink="hlink" folHlink="folHlink"/>
   <p:sldLayoutIdLst>
-    <p:sldLayoutId id="2147483685" r:id="rId1"/>
-    <p:sldLayoutId id="2147483686" r:id="rId2"/>
-    <p:sldLayoutId id="2147483687" r:id="rId3"/>
-    <p:sldLayoutId id="2147483688" r:id="rId4"/>
-    <p:sldLayoutId id="2147483689" r:id="rId5"/>
-    <p:sldLayoutId id="2147483690" r:id="rId6"/>
-    <p:sldLayoutId id="2147483691" r:id="rId7"/>
-    <p:sldLayoutId id="2147483692" r:id="rId8"/>
-    <p:sldLayoutId id="2147483693" r:id="rId9"/>
-    <p:sldLayoutId id="2147483694" r:id="rId10"/>
-    <p:sldLayoutId id="2147483695" r:id="rId11"/>
+    <p:sldLayoutId id="2147483721" r:id="rId1"/>
+    <p:sldLayoutId id="2147483722" r:id="rId2"/>
+    <p:sldLayoutId id="2147483723" r:id="rId3"/>
+    <p:sldLayoutId id="2147483724" r:id="rId4"/>
+    <p:sldLayoutId id="2147483725" r:id="rId5"/>
+    <p:sldLayoutId id="2147483726" r:id="rId6"/>
+    <p:sldLayoutId id="2147483727" r:id="rId7"/>
+    <p:sldLayoutId id="2147483728" r:id="rId8"/>
+    <p:sldLayoutId id="2147483729" r:id="rId9"/>
+    <p:sldLayoutId id="2147483730" r:id="rId10"/>
+    <p:sldLayoutId id="2147483731" r:id="rId11"/>
   </p:sldLayoutIdLst>
   <p:txStyles>
     <p:titleStyle>
-      <a:lvl1pPr algn="l" defTabSz="857250" rtl="0" eaLnBrk="1" latinLnBrk="0" hangingPunct="1">
+      <a:lvl1pPr algn="l" defTabSz="840151" rtl="0" eaLnBrk="1" latinLnBrk="0" hangingPunct="1">
         <a:lnSpc>
           <a:spcPct val="90000"/>
         </a:lnSpc>
@@ -2683,7 +2683,7 @@
           <a:spcPct val="0"/>
         </a:spcBef>
         <a:buNone/>
-        <a:defRPr sz="4125" kern="1200">
+        <a:defRPr sz="4043" kern="1200">
           <a:solidFill>
             <a:schemeClr val="tx1"/>
           </a:solidFill>
@@ -2694,16 +2694,16 @@
       </a:lvl1pPr>
     </p:titleStyle>
     <p:bodyStyle>
-      <a:lvl1pPr marL="214313" indent="-214313" algn="l" defTabSz="857250" rtl="0" eaLnBrk="1" latinLnBrk="0" hangingPunct="1">
+      <a:lvl1pPr marL="210038" indent="-210038" algn="l" defTabSz="840151" rtl="0" eaLnBrk="1" latinLnBrk="0" hangingPunct="1">
         <a:lnSpc>
           <a:spcPct val="90000"/>
         </a:lnSpc>
         <a:spcBef>
-          <a:spcPts val="938"/>
+          <a:spcPts val="919"/>
         </a:spcBef>
         <a:buFont typeface="Arial" panose="020B0604020202020204" pitchFamily="34" charset="0"/>
         <a:buChar char="•"/>
-        <a:defRPr sz="2625" kern="1200">
+        <a:defRPr sz="2573" kern="1200">
           <a:solidFill>
             <a:schemeClr val="tx1"/>
           </a:solidFill>
@@ -2712,16 +2712,16 @@
           <a:cs typeface="+mn-cs"/>
         </a:defRPr>
       </a:lvl1pPr>
-      <a:lvl2pPr marL="642938" indent="-214313" algn="l" defTabSz="857250" rtl="0" eaLnBrk="1" latinLnBrk="0" hangingPunct="1">
+      <a:lvl2pPr marL="630113" indent="-210038" algn="l" defTabSz="840151" rtl="0" eaLnBrk="1" latinLnBrk="0" hangingPunct="1">
         <a:lnSpc>
           <a:spcPct val="90000"/>
         </a:lnSpc>
         <a:spcBef>
-          <a:spcPts val="469"/>
+          <a:spcPts val="459"/>
         </a:spcBef>
         <a:buFont typeface="Arial" panose="020B0604020202020204" pitchFamily="34" charset="0"/>
         <a:buChar char="•"/>
-        <a:defRPr sz="2250" kern="1200">
+        <a:defRPr sz="2205" kern="1200">
           <a:solidFill>
             <a:schemeClr val="tx1"/>
           </a:solidFill>
@@ -2730,16 +2730,16 @@
           <a:cs typeface="+mn-cs"/>
         </a:defRPr>
       </a:lvl2pPr>
-      <a:lvl3pPr marL="1071563" indent="-214313" algn="l" defTabSz="857250" rtl="0" eaLnBrk="1" latinLnBrk="0" hangingPunct="1">
+      <a:lvl3pPr marL="1050188" indent="-210038" algn="l" defTabSz="840151" rtl="0" eaLnBrk="1" latinLnBrk="0" hangingPunct="1">
         <a:lnSpc>
           <a:spcPct val="90000"/>
         </a:lnSpc>
         <a:spcBef>
-          <a:spcPts val="469"/>
+          <a:spcPts val="459"/>
         </a:spcBef>
         <a:buFont typeface="Arial" panose="020B0604020202020204" pitchFamily="34" charset="0"/>
         <a:buChar char="•"/>
-        <a:defRPr sz="1875" kern="1200">
+        <a:defRPr sz="1838" kern="1200">
           <a:solidFill>
             <a:schemeClr val="tx1"/>
           </a:solidFill>
@@ -2748,16 +2748,16 @@
           <a:cs typeface="+mn-cs"/>
         </a:defRPr>
       </a:lvl3pPr>
-      <a:lvl4pPr marL="1500188" indent="-214313" algn="l" defTabSz="857250" rtl="0" eaLnBrk="1" latinLnBrk="0" hangingPunct="1">
+      <a:lvl4pPr marL="1470264" indent="-210038" algn="l" defTabSz="840151" rtl="0" eaLnBrk="1" latinLnBrk="0" hangingPunct="1">
         <a:lnSpc>
           <a:spcPct val="90000"/>
         </a:lnSpc>
         <a:spcBef>
-          <a:spcPts val="469"/>
+          <a:spcPts val="459"/>
         </a:spcBef>
         <a:buFont typeface="Arial" panose="020B0604020202020204" pitchFamily="34" charset="0"/>
         <a:buChar char="•"/>
-        <a:defRPr sz="1688" kern="1200">
+        <a:defRPr sz="1654" kern="1200">
           <a:solidFill>
             <a:schemeClr val="tx1"/>
           </a:solidFill>
@@ -2766,16 +2766,16 @@
           <a:cs typeface="+mn-cs"/>
         </a:defRPr>
       </a:lvl4pPr>
-      <a:lvl5pPr marL="1928813" indent="-214313" algn="l" defTabSz="857250" rtl="0" eaLnBrk="1" latinLnBrk="0" hangingPunct="1">
+      <a:lvl5pPr marL="1890339" indent="-210038" algn="l" defTabSz="840151" rtl="0" eaLnBrk="1" latinLnBrk="0" hangingPunct="1">
         <a:lnSpc>
           <a:spcPct val="90000"/>
         </a:lnSpc>
         <a:spcBef>
-          <a:spcPts val="469"/>
+          <a:spcPts val="459"/>
         </a:spcBef>
         <a:buFont typeface="Arial" panose="020B0604020202020204" pitchFamily="34" charset="0"/>
         <a:buChar char="•"/>
-        <a:defRPr sz="1688" kern="1200">
+        <a:defRPr sz="1654" kern="1200">
           <a:solidFill>
             <a:schemeClr val="tx1"/>
           </a:solidFill>
@@ -2784,16 +2784,16 @@
           <a:cs typeface="+mn-cs"/>
         </a:defRPr>
       </a:lvl5pPr>
-      <a:lvl6pPr marL="2357438" indent="-214313" algn="l" defTabSz="857250" rtl="0" eaLnBrk="1" latinLnBrk="0" hangingPunct="1">
+      <a:lvl6pPr marL="2310414" indent="-210038" algn="l" defTabSz="840151" rtl="0" eaLnBrk="1" latinLnBrk="0" hangingPunct="1">
         <a:lnSpc>
           <a:spcPct val="90000"/>
         </a:lnSpc>
         <a:spcBef>
-          <a:spcPts val="469"/>
+          <a:spcPts val="459"/>
         </a:spcBef>
         <a:buFont typeface="Arial" panose="020B0604020202020204" pitchFamily="34" charset="0"/>
         <a:buChar char="•"/>
-        <a:defRPr sz="1688" kern="1200">
+        <a:defRPr sz="1654" kern="1200">
           <a:solidFill>
             <a:schemeClr val="tx1"/>
           </a:solidFill>
@@ -2802,16 +2802,16 @@
           <a:cs typeface="+mn-cs"/>
         </a:defRPr>
       </a:lvl6pPr>
-      <a:lvl7pPr marL="2786063" indent="-214313" algn="l" defTabSz="857250" rtl="0" eaLnBrk="1" latinLnBrk="0" hangingPunct="1">
+      <a:lvl7pPr marL="2730490" indent="-210038" algn="l" defTabSz="840151" rtl="0" eaLnBrk="1" latinLnBrk="0" hangingPunct="1">
         <a:lnSpc>
           <a:spcPct val="90000"/>
         </a:lnSpc>
         <a:spcBef>
-          <a:spcPts val="469"/>
+          <a:spcPts val="459"/>
         </a:spcBef>
         <a:buFont typeface="Arial" panose="020B0604020202020204" pitchFamily="34" charset="0"/>
         <a:buChar char="•"/>
-        <a:defRPr sz="1688" kern="1200">
+        <a:defRPr sz="1654" kern="1200">
           <a:solidFill>
             <a:schemeClr val="tx1"/>
           </a:solidFill>
@@ -2820,16 +2820,16 @@
           <a:cs typeface="+mn-cs"/>
         </a:defRPr>
       </a:lvl7pPr>
-      <a:lvl8pPr marL="3214688" indent="-214313" algn="l" defTabSz="857250" rtl="0" eaLnBrk="1" latinLnBrk="0" hangingPunct="1">
+      <a:lvl8pPr marL="3150565" indent="-210038" algn="l" defTabSz="840151" rtl="0" eaLnBrk="1" latinLnBrk="0" hangingPunct="1">
         <a:lnSpc>
           <a:spcPct val="90000"/>
         </a:lnSpc>
         <a:spcBef>
-          <a:spcPts val="469"/>
+          <a:spcPts val="459"/>
         </a:spcBef>
         <a:buFont typeface="Arial" panose="020B0604020202020204" pitchFamily="34" charset="0"/>
         <a:buChar char="•"/>
-        <a:defRPr sz="1688" kern="1200">
+        <a:defRPr sz="1654" kern="1200">
           <a:solidFill>
             <a:schemeClr val="tx1"/>
           </a:solidFill>
@@ -2838,16 +2838,16 @@
           <a:cs typeface="+mn-cs"/>
         </a:defRPr>
       </a:lvl8pPr>
-      <a:lvl9pPr marL="3643313" indent="-214313" algn="l" defTabSz="857250" rtl="0" eaLnBrk="1" latinLnBrk="0" hangingPunct="1">
+      <a:lvl9pPr marL="3570641" indent="-210038" algn="l" defTabSz="840151" rtl="0" eaLnBrk="1" latinLnBrk="0" hangingPunct="1">
         <a:lnSpc>
           <a:spcPct val="90000"/>
         </a:lnSpc>
         <a:spcBef>
-          <a:spcPts val="469"/>
+          <a:spcPts val="459"/>
         </a:spcBef>
         <a:buFont typeface="Arial" panose="020B0604020202020204" pitchFamily="34" charset="0"/>
         <a:buChar char="•"/>
-        <a:defRPr sz="1688" kern="1200">
+        <a:defRPr sz="1654" kern="1200">
           <a:solidFill>
             <a:schemeClr val="tx1"/>
           </a:solidFill>
@@ -2861,8 +2861,8 @@
       <a:defPPr>
         <a:defRPr lang="en-US"/>
       </a:defPPr>
-      <a:lvl1pPr marL="0" algn="l" defTabSz="857250" rtl="0" eaLnBrk="1" latinLnBrk="0" hangingPunct="1">
-        <a:defRPr sz="1688" kern="1200">
+      <a:lvl1pPr marL="0" algn="l" defTabSz="840151" rtl="0" eaLnBrk="1" latinLnBrk="0" hangingPunct="1">
+        <a:defRPr sz="1654" kern="1200">
           <a:solidFill>
             <a:schemeClr val="tx1"/>
           </a:solidFill>
@@ -2871,8 +2871,8 @@
           <a:cs typeface="+mn-cs"/>
         </a:defRPr>
       </a:lvl1pPr>
-      <a:lvl2pPr marL="428625" algn="l" defTabSz="857250" rtl="0" eaLnBrk="1" latinLnBrk="0" hangingPunct="1">
-        <a:defRPr sz="1688" kern="1200">
+      <a:lvl2pPr marL="420075" algn="l" defTabSz="840151" rtl="0" eaLnBrk="1" latinLnBrk="0" hangingPunct="1">
+        <a:defRPr sz="1654" kern="1200">
           <a:solidFill>
             <a:schemeClr val="tx1"/>
           </a:solidFill>
@@ -2881,8 +2881,8 @@
           <a:cs typeface="+mn-cs"/>
         </a:defRPr>
       </a:lvl2pPr>
-      <a:lvl3pPr marL="857250" algn="l" defTabSz="857250" rtl="0" eaLnBrk="1" latinLnBrk="0" hangingPunct="1">
-        <a:defRPr sz="1688" kern="1200">
+      <a:lvl3pPr marL="840151" algn="l" defTabSz="840151" rtl="0" eaLnBrk="1" latinLnBrk="0" hangingPunct="1">
+        <a:defRPr sz="1654" kern="1200">
           <a:solidFill>
             <a:schemeClr val="tx1"/>
           </a:solidFill>
@@ -2891,8 +2891,8 @@
           <a:cs typeface="+mn-cs"/>
         </a:defRPr>
       </a:lvl3pPr>
-      <a:lvl4pPr marL="1285875" algn="l" defTabSz="857250" rtl="0" eaLnBrk="1" latinLnBrk="0" hangingPunct="1">
-        <a:defRPr sz="1688" kern="1200">
+      <a:lvl4pPr marL="1260226" algn="l" defTabSz="840151" rtl="0" eaLnBrk="1" latinLnBrk="0" hangingPunct="1">
+        <a:defRPr sz="1654" kern="1200">
           <a:solidFill>
             <a:schemeClr val="tx1"/>
           </a:solidFill>
@@ -2901,8 +2901,8 @@
           <a:cs typeface="+mn-cs"/>
         </a:defRPr>
       </a:lvl4pPr>
-      <a:lvl5pPr marL="1714500" algn="l" defTabSz="857250" rtl="0" eaLnBrk="1" latinLnBrk="0" hangingPunct="1">
-        <a:defRPr sz="1688" kern="1200">
+      <a:lvl5pPr marL="1680301" algn="l" defTabSz="840151" rtl="0" eaLnBrk="1" latinLnBrk="0" hangingPunct="1">
+        <a:defRPr sz="1654" kern="1200">
           <a:solidFill>
             <a:schemeClr val="tx1"/>
           </a:solidFill>
@@ -2911,8 +2911,8 @@
           <a:cs typeface="+mn-cs"/>
         </a:defRPr>
       </a:lvl5pPr>
-      <a:lvl6pPr marL="2143125" algn="l" defTabSz="857250" rtl="0" eaLnBrk="1" latinLnBrk="0" hangingPunct="1">
-        <a:defRPr sz="1688" kern="1200">
+      <a:lvl6pPr marL="2100377" algn="l" defTabSz="840151" rtl="0" eaLnBrk="1" latinLnBrk="0" hangingPunct="1">
+        <a:defRPr sz="1654" kern="1200">
           <a:solidFill>
             <a:schemeClr val="tx1"/>
           </a:solidFill>
@@ -2921,8 +2921,8 @@
           <a:cs typeface="+mn-cs"/>
         </a:defRPr>
       </a:lvl6pPr>
-      <a:lvl7pPr marL="2571750" algn="l" defTabSz="857250" rtl="0" eaLnBrk="1" latinLnBrk="0" hangingPunct="1">
-        <a:defRPr sz="1688" kern="1200">
+      <a:lvl7pPr marL="2520452" algn="l" defTabSz="840151" rtl="0" eaLnBrk="1" latinLnBrk="0" hangingPunct="1">
+        <a:defRPr sz="1654" kern="1200">
           <a:solidFill>
             <a:schemeClr val="tx1"/>
           </a:solidFill>
@@ -2931,8 +2931,8 @@
           <a:cs typeface="+mn-cs"/>
         </a:defRPr>
       </a:lvl7pPr>
-      <a:lvl8pPr marL="3000375" algn="l" defTabSz="857250" rtl="0" eaLnBrk="1" latinLnBrk="0" hangingPunct="1">
-        <a:defRPr sz="1688" kern="1200">
+      <a:lvl8pPr marL="2940528" algn="l" defTabSz="840151" rtl="0" eaLnBrk="1" latinLnBrk="0" hangingPunct="1">
+        <a:defRPr sz="1654" kern="1200">
           <a:solidFill>
             <a:schemeClr val="tx1"/>
           </a:solidFill>
@@ -2941,8 +2941,8 @@
           <a:cs typeface="+mn-cs"/>
         </a:defRPr>
       </a:lvl8pPr>
-      <a:lvl9pPr marL="3429000" algn="l" defTabSz="857250" rtl="0" eaLnBrk="1" latinLnBrk="0" hangingPunct="1">
-        <a:defRPr sz="1688" kern="1200">
+      <a:lvl9pPr marL="3360603" algn="l" defTabSz="840151" rtl="0" eaLnBrk="1" latinLnBrk="0" hangingPunct="1">
+        <a:defRPr sz="1654" kern="1200">
           <a:solidFill>
             <a:schemeClr val="tx1"/>
           </a:solidFill>
@@ -2975,70 +2975,10 @@
       </p:grpSpPr>
       <p:pic>
         <p:nvPicPr>
-          <p:cNvPr id="9" name="Picture 8">
+          <p:cNvPr id="10" name="Picture 9">
             <a:extLst>
               <a:ext uri="{FF2B5EF4-FFF2-40B4-BE49-F238E27FC236}">
-                <a16:creationId xmlns:a16="http://schemas.microsoft.com/office/drawing/2014/main" id="{CB5678FC-652F-F648-8994-7A0AB4F12B80}"/>
-              </a:ext>
-            </a:extLst>
-          </p:cNvPr>
-          <p:cNvPicPr>
-            <a:picLocks noChangeAspect="1"/>
-          </p:cNvPicPr>
-          <p:nvPr/>
-        </p:nvPicPr>
-        <p:blipFill>
-          <a:blip r:embed="rId2"/>
-          <a:stretch>
-            <a:fillRect/>
-          </a:stretch>
-        </p:blipFill>
-        <p:spPr>
-          <a:xfrm>
-            <a:off x="5080000" y="0"/>
-            <a:ext cx="6350000" cy="6858000"/>
-          </a:xfrm>
-          <a:prstGeom prst="rect">
-            <a:avLst/>
-          </a:prstGeom>
-        </p:spPr>
-      </p:pic>
-      <p:pic>
-        <p:nvPicPr>
-          <p:cNvPr id="6" name="Picture 5">
-            <a:extLst>
-              <a:ext uri="{FF2B5EF4-FFF2-40B4-BE49-F238E27FC236}">
-                <a16:creationId xmlns:a16="http://schemas.microsoft.com/office/drawing/2014/main" id="{B1C8E105-264C-7548-A90B-64ED831C8F61}"/>
-              </a:ext>
-            </a:extLst>
-          </p:cNvPr>
-          <p:cNvPicPr>
-            <a:picLocks noChangeAspect="1"/>
-          </p:cNvPicPr>
-          <p:nvPr/>
-        </p:nvPicPr>
-        <p:blipFill>
-          <a:blip r:embed="rId3"/>
-          <a:stretch>
-            <a:fillRect/>
-          </a:stretch>
-        </p:blipFill>
-        <p:spPr>
-          <a:xfrm>
-            <a:off x="0" y="0"/>
-            <a:ext cx="5257800" cy="6502400"/>
-          </a:xfrm>
-          <a:prstGeom prst="rect">
-            <a:avLst/>
-          </a:prstGeom>
-        </p:spPr>
-      </p:pic>
-      <p:pic>
-        <p:nvPicPr>
-          <p:cNvPr id="4" name="Picture 3">
-            <a:extLst>
-              <a:ext uri="{FF2B5EF4-FFF2-40B4-BE49-F238E27FC236}">
-                <a16:creationId xmlns:a16="http://schemas.microsoft.com/office/drawing/2014/main" id="{6011E211-796E-0041-9DFB-FF94C315E89C}"/>
+                <a16:creationId xmlns:a16="http://schemas.microsoft.com/office/drawing/2014/main" id="{F06F4910-243F-5744-BAB2-821AA1A21F5D}"/>
               </a:ext>
             </a:extLst>
           </p:cNvPr>
@@ -3049,100 +2989,98 @@
         </p:nvPicPr>
         <p:blipFill rotWithShape="1">
           <a:blip r:embed="rId2"/>
-          <a:srcRect l="4200" r="88800" b="93519"/>
+          <a:srcRect b="592"/>
           <a:stretch/>
         </p:blipFill>
         <p:spPr>
           <a:xfrm>
             <a:off x="0" y="0"/>
-            <a:ext cx="444500" cy="444500"/>
+            <a:ext cx="5257800" cy="6400800"/>
           </a:xfrm>
           <a:prstGeom prst="rect">
             <a:avLst/>
           </a:prstGeom>
         </p:spPr>
       </p:pic>
-      <p:sp>
-        <p:nvSpPr>
-          <p:cNvPr id="2" name="Rectangle 1">
+      <p:grpSp>
+        <p:nvGrpSpPr>
+          <p:cNvPr id="12" name="Group 11">
             <a:extLst>
               <a:ext uri="{FF2B5EF4-FFF2-40B4-BE49-F238E27FC236}">
-                <a16:creationId xmlns:a16="http://schemas.microsoft.com/office/drawing/2014/main" id="{871F1444-0058-114D-8B5D-917C40A7EE93}"/>
+                <a16:creationId xmlns:a16="http://schemas.microsoft.com/office/drawing/2014/main" id="{2F7EAAEB-045B-2A42-884D-590AE2955DEB}"/>
               </a:ext>
             </a:extLst>
           </p:cNvPr>
-          <p:cNvSpPr/>
+          <p:cNvGrpSpPr/>
           <p:nvPr/>
-        </p:nvSpPr>
-        <p:spPr>
+        </p:nvGrpSpPr>
+        <p:grpSpPr>
           <a:xfrm>
-            <a:off x="5359400" y="0"/>
-            <a:ext cx="393700" cy="444500"/>
+            <a:off x="5247573" y="0"/>
+            <a:ext cx="5918200" cy="6252108"/>
+            <a:chOff x="5247573" y="0"/>
+            <a:chExt cx="5918200" cy="6252108"/>
           </a:xfrm>
-          <a:prstGeom prst="rect">
-            <a:avLst/>
-          </a:prstGeom>
-          <a:solidFill>
-            <a:schemeClr val="bg1"/>
-          </a:solidFill>
-          <a:ln>
-            <a:noFill/>
-          </a:ln>
-        </p:spPr>
-        <p:style>
-          <a:lnRef idx="2">
-            <a:schemeClr val="accent1">
-              <a:shade val="50000"/>
-            </a:schemeClr>
-          </a:lnRef>
-          <a:fillRef idx="1">
-            <a:schemeClr val="accent1"/>
-          </a:fillRef>
-          <a:effectRef idx="0">
-            <a:schemeClr val="accent1"/>
-          </a:effectRef>
-          <a:fontRef idx="minor">
-            <a:schemeClr val="lt1"/>
-          </a:fontRef>
-        </p:style>
-        <p:txBody>
-          <a:bodyPr rtlCol="0" anchor="ctr"/>
-          <a:lstStyle/>
-          <a:p>
-            <a:pPr algn="ctr"/>
-            <a:endParaRPr lang="en-US"/>
-          </a:p>
-        </p:txBody>
-      </p:sp>
-      <p:pic>
-        <p:nvPicPr>
-          <p:cNvPr id="5" name="Picture 4">
-            <a:extLst>
-              <a:ext uri="{FF2B5EF4-FFF2-40B4-BE49-F238E27FC236}">
-                <a16:creationId xmlns:a16="http://schemas.microsoft.com/office/drawing/2014/main" id="{970E6DB6-3D75-E641-A7F8-2C5FF125093C}"/>
-              </a:ext>
-            </a:extLst>
-          </p:cNvPr>
-          <p:cNvPicPr>
-            <a:picLocks noChangeAspect="1"/>
-          </p:cNvPicPr>
-          <p:nvPr/>
-        </p:nvPicPr>
-        <p:blipFill rotWithShape="1">
-          <a:blip r:embed="rId3"/>
-          <a:srcRect r="93236" b="93555"/>
-          <a:stretch/>
-        </p:blipFill>
-        <p:spPr>
-          <a:xfrm>
-            <a:off x="5346700" y="0"/>
-            <a:ext cx="355600" cy="419100"/>
-          </a:xfrm>
-          <a:prstGeom prst="rect">
-            <a:avLst/>
-          </a:prstGeom>
-        </p:spPr>
-      </p:pic>
+        </p:grpSpPr>
+        <p:pic>
+          <p:nvPicPr>
+            <p:cNvPr id="7" name="Picture 6">
+              <a:extLst>
+                <a:ext uri="{FF2B5EF4-FFF2-40B4-BE49-F238E27FC236}">
+                  <a16:creationId xmlns:a16="http://schemas.microsoft.com/office/drawing/2014/main" id="{BC8AB7E6-3EBB-974B-8D64-9971D549A68E}"/>
+                </a:ext>
+              </a:extLst>
+            </p:cNvPr>
+            <p:cNvPicPr>
+              <a:picLocks noChangeAspect="1"/>
+            </p:cNvPicPr>
+            <p:nvPr/>
+          </p:nvPicPr>
+          <p:blipFill rotWithShape="1">
+            <a:blip r:embed="rId3"/>
+            <a:srcRect l="1464" b="4372"/>
+            <a:stretch/>
+          </p:blipFill>
+          <p:spPr>
+            <a:xfrm>
+              <a:off x="5247573" y="0"/>
+              <a:ext cx="5918200" cy="6234295"/>
+            </a:xfrm>
+            <a:prstGeom prst="rect">
+              <a:avLst/>
+            </a:prstGeom>
+          </p:spPr>
+        </p:pic>
+        <p:pic>
+          <p:nvPicPr>
+            <p:cNvPr id="11" name="Picture 10">
+              <a:extLst>
+                <a:ext uri="{FF2B5EF4-FFF2-40B4-BE49-F238E27FC236}">
+                  <a16:creationId xmlns:a16="http://schemas.microsoft.com/office/drawing/2014/main" id="{DAB5429B-FCED-0D4B-B6DA-B3F94B83B3AE}"/>
+                </a:ext>
+              </a:extLst>
+            </p:cNvPr>
+            <p:cNvPicPr>
+              <a:picLocks noChangeAspect="1"/>
+            </p:cNvPicPr>
+            <p:nvPr/>
+          </p:nvPicPr>
+          <p:blipFill rotWithShape="1">
+            <a:blip r:embed="rId3"/>
+            <a:srcRect l="49197" t="94930" r="37754" b="152"/>
+            <a:stretch/>
+          </p:blipFill>
+          <p:spPr>
+            <a:xfrm>
+              <a:off x="7819900" y="5931474"/>
+              <a:ext cx="783773" cy="320634"/>
+            </a:xfrm>
+            <a:prstGeom prst="rect">
+              <a:avLst/>
+            </a:prstGeom>
+          </p:spPr>
+        </p:pic>
+      </p:grpSp>
     </p:spTree>
     <p:extLst>
       <p:ext uri="{BB962C8B-B14F-4D97-AF65-F5344CB8AC3E}">
